--- a/ppt 16-9/0339.耶稣爱你.pptx
+++ b/ppt 16-9/0339.耶稣爱你.pptx
@@ -129,7 +129,7 @@
           <p:cNvPr id="2" name="标题 1">
             <a:extLst>
               <a:ext uri="{FF2B5EF4-FFF2-40B4-BE49-F238E27FC236}">
-                <a16:creationId xmlns:a16="http://schemas.microsoft.com/office/drawing/2014/main" id="{ABA217A1-D49E-7BCB-21CC-B8481217F13D}"/>
+                <a16:creationId xmlns:a16="http://schemas.microsoft.com/office/drawing/2014/main" id="{E60A3A03-113B-A19E-774D-EC3DCE6B3ADA}"/>
               </a:ext>
             </a:extLst>
           </p:cNvPr>
@@ -166,7 +166,7 @@
           <p:cNvPr id="3" name="副标题 2">
             <a:extLst>
               <a:ext uri="{FF2B5EF4-FFF2-40B4-BE49-F238E27FC236}">
-                <a16:creationId xmlns:a16="http://schemas.microsoft.com/office/drawing/2014/main" id="{2BE5597F-A89A-88FA-C107-6FCA834404A8}"/>
+                <a16:creationId xmlns:a16="http://schemas.microsoft.com/office/drawing/2014/main" id="{4DE65491-0514-0C52-8172-5C127E3C85F8}"/>
               </a:ext>
             </a:extLst>
           </p:cNvPr>
@@ -236,7 +236,7 @@
           <p:cNvPr id="4" name="日期占位符 3">
             <a:extLst>
               <a:ext uri="{FF2B5EF4-FFF2-40B4-BE49-F238E27FC236}">
-                <a16:creationId xmlns:a16="http://schemas.microsoft.com/office/drawing/2014/main" id="{516E3659-2ECB-330B-3588-FA5479D7CBD8}"/>
+                <a16:creationId xmlns:a16="http://schemas.microsoft.com/office/drawing/2014/main" id="{A4FCCC0E-59C5-7B31-090A-AC260418D3E7}"/>
               </a:ext>
             </a:extLst>
           </p:cNvPr>
@@ -252,7 +252,7 @@
           <a:bodyPr/>
           <a:lstStyle/>
           <a:p>
-            <a:fld id="{D01FC9C5-74B1-4D67-94FE-9BE6B081198C}" type="datetimeFigureOut">
+            <a:fld id="{7998A66E-EBC0-44E3-86D2-3DA647E29498}" type="datetimeFigureOut">
               <a:rPr lang="zh-CN" altLang="en-US" smtClean="0"/>
               <a:t>2024/3/10</a:t>
             </a:fld>
@@ -265,7 +265,7 @@
           <p:cNvPr id="5" name="页脚占位符 4">
             <a:extLst>
               <a:ext uri="{FF2B5EF4-FFF2-40B4-BE49-F238E27FC236}">
-                <a16:creationId xmlns:a16="http://schemas.microsoft.com/office/drawing/2014/main" id="{4EED5675-0620-B505-F405-0E49A156B615}"/>
+                <a16:creationId xmlns:a16="http://schemas.microsoft.com/office/drawing/2014/main" id="{74FBB585-772A-C72F-0CF2-3FD193C9373E}"/>
               </a:ext>
             </a:extLst>
           </p:cNvPr>
@@ -290,7 +290,7 @@
           <p:cNvPr id="6" name="灯片编号占位符 5">
             <a:extLst>
               <a:ext uri="{FF2B5EF4-FFF2-40B4-BE49-F238E27FC236}">
-                <a16:creationId xmlns:a16="http://schemas.microsoft.com/office/drawing/2014/main" id="{7E81B04A-75B5-402D-75E9-7DE79366C8E8}"/>
+                <a16:creationId xmlns:a16="http://schemas.microsoft.com/office/drawing/2014/main" id="{5CE1A5A5-0C4F-80FD-3816-A5D7EDBA69EF}"/>
               </a:ext>
             </a:extLst>
           </p:cNvPr>
@@ -306,7 +306,7 @@
           <a:bodyPr/>
           <a:lstStyle/>
           <a:p>
-            <a:fld id="{CC196C6E-2B3F-459B-B809-376718DA1D29}" type="slidenum">
+            <a:fld id="{209D5BEF-033F-4A6A-A448-0872236E7AA0}" type="slidenum">
               <a:rPr lang="zh-CN" altLang="en-US" smtClean="0"/>
               <a:t>‹#›</a:t>
             </a:fld>
@@ -317,7 +317,7 @@
     </p:spTree>
     <p:extLst>
       <p:ext uri="{BB962C8B-B14F-4D97-AF65-F5344CB8AC3E}">
-        <p14:creationId xmlns:p14="http://schemas.microsoft.com/office/powerpoint/2010/main" val="3458559541"/>
+        <p14:creationId xmlns:p14="http://schemas.microsoft.com/office/powerpoint/2010/main" val="4176275959"/>
       </p:ext>
     </p:extLst>
   </p:cSld>
@@ -349,7 +349,7 @@
           <p:cNvPr id="2" name="标题 1">
             <a:extLst>
               <a:ext uri="{FF2B5EF4-FFF2-40B4-BE49-F238E27FC236}">
-                <a16:creationId xmlns:a16="http://schemas.microsoft.com/office/drawing/2014/main" id="{A3A9005D-5E4B-B925-D21B-FA85AE4D2C05}"/>
+                <a16:creationId xmlns:a16="http://schemas.microsoft.com/office/drawing/2014/main" id="{6ED0AFB0-5CD8-7D6A-2071-56DA10241D15}"/>
               </a:ext>
             </a:extLst>
           </p:cNvPr>
@@ -377,7 +377,7 @@
           <p:cNvPr id="3" name="竖排文字占位符 2">
             <a:extLst>
               <a:ext uri="{FF2B5EF4-FFF2-40B4-BE49-F238E27FC236}">
-                <a16:creationId xmlns:a16="http://schemas.microsoft.com/office/drawing/2014/main" id="{C64C5068-DEA7-CADC-74DC-65041D75D3A3}"/>
+                <a16:creationId xmlns:a16="http://schemas.microsoft.com/office/drawing/2014/main" id="{5549BDD9-1622-AA6A-B321-2AF6540750A6}"/>
               </a:ext>
             </a:extLst>
           </p:cNvPr>
@@ -434,7 +434,7 @@
           <p:cNvPr id="4" name="日期占位符 3">
             <a:extLst>
               <a:ext uri="{FF2B5EF4-FFF2-40B4-BE49-F238E27FC236}">
-                <a16:creationId xmlns:a16="http://schemas.microsoft.com/office/drawing/2014/main" id="{4B67F4B3-03E5-46AF-F745-EF8ABF1A3805}"/>
+                <a16:creationId xmlns:a16="http://schemas.microsoft.com/office/drawing/2014/main" id="{84BB7B97-8B28-32C2-9824-24CAF6D1B19F}"/>
               </a:ext>
             </a:extLst>
           </p:cNvPr>
@@ -450,7 +450,7 @@
           <a:bodyPr/>
           <a:lstStyle/>
           <a:p>
-            <a:fld id="{D01FC9C5-74B1-4D67-94FE-9BE6B081198C}" type="datetimeFigureOut">
+            <a:fld id="{7998A66E-EBC0-44E3-86D2-3DA647E29498}" type="datetimeFigureOut">
               <a:rPr lang="zh-CN" altLang="en-US" smtClean="0"/>
               <a:t>2024/3/10</a:t>
             </a:fld>
@@ -463,7 +463,7 @@
           <p:cNvPr id="5" name="页脚占位符 4">
             <a:extLst>
               <a:ext uri="{FF2B5EF4-FFF2-40B4-BE49-F238E27FC236}">
-                <a16:creationId xmlns:a16="http://schemas.microsoft.com/office/drawing/2014/main" id="{08293160-82F6-20C4-9796-028014E16234}"/>
+                <a16:creationId xmlns:a16="http://schemas.microsoft.com/office/drawing/2014/main" id="{047B6D87-7B53-C58E-71C7-267E3E0491AB}"/>
               </a:ext>
             </a:extLst>
           </p:cNvPr>
@@ -488,7 +488,7 @@
           <p:cNvPr id="6" name="灯片编号占位符 5">
             <a:extLst>
               <a:ext uri="{FF2B5EF4-FFF2-40B4-BE49-F238E27FC236}">
-                <a16:creationId xmlns:a16="http://schemas.microsoft.com/office/drawing/2014/main" id="{C93BCD2F-898B-A144-B097-0B9F0F82369A}"/>
+                <a16:creationId xmlns:a16="http://schemas.microsoft.com/office/drawing/2014/main" id="{CFD0F9E4-D142-40EE-FD07-3F7D9B79BBAE}"/>
               </a:ext>
             </a:extLst>
           </p:cNvPr>
@@ -504,7 +504,7 @@
           <a:bodyPr/>
           <a:lstStyle/>
           <a:p>
-            <a:fld id="{CC196C6E-2B3F-459B-B809-376718DA1D29}" type="slidenum">
+            <a:fld id="{209D5BEF-033F-4A6A-A448-0872236E7AA0}" type="slidenum">
               <a:rPr lang="zh-CN" altLang="en-US" smtClean="0"/>
               <a:t>‹#›</a:t>
             </a:fld>
@@ -515,7 +515,7 @@
     </p:spTree>
     <p:extLst>
       <p:ext uri="{BB962C8B-B14F-4D97-AF65-F5344CB8AC3E}">
-        <p14:creationId xmlns:p14="http://schemas.microsoft.com/office/powerpoint/2010/main" val="3295273846"/>
+        <p14:creationId xmlns:p14="http://schemas.microsoft.com/office/powerpoint/2010/main" val="3444991198"/>
       </p:ext>
     </p:extLst>
   </p:cSld>
@@ -547,7 +547,7 @@
           <p:cNvPr id="2" name="竖排标题 1">
             <a:extLst>
               <a:ext uri="{FF2B5EF4-FFF2-40B4-BE49-F238E27FC236}">
-                <a16:creationId xmlns:a16="http://schemas.microsoft.com/office/drawing/2014/main" id="{7707C09C-7B41-4E32-0716-12182238DE9E}"/>
+                <a16:creationId xmlns:a16="http://schemas.microsoft.com/office/drawing/2014/main" id="{8E5F516B-8517-79B9-F965-0507F2DFEB45}"/>
               </a:ext>
             </a:extLst>
           </p:cNvPr>
@@ -580,7 +580,7 @@
           <p:cNvPr id="3" name="竖排文字占位符 2">
             <a:extLst>
               <a:ext uri="{FF2B5EF4-FFF2-40B4-BE49-F238E27FC236}">
-                <a16:creationId xmlns:a16="http://schemas.microsoft.com/office/drawing/2014/main" id="{1362195D-F05B-BC7D-1907-3C32A17CE265}"/>
+                <a16:creationId xmlns:a16="http://schemas.microsoft.com/office/drawing/2014/main" id="{7CBCF864-FA36-5875-2B7D-A0D4F19F917B}"/>
               </a:ext>
             </a:extLst>
           </p:cNvPr>
@@ -642,7 +642,7 @@
           <p:cNvPr id="4" name="日期占位符 3">
             <a:extLst>
               <a:ext uri="{FF2B5EF4-FFF2-40B4-BE49-F238E27FC236}">
-                <a16:creationId xmlns:a16="http://schemas.microsoft.com/office/drawing/2014/main" id="{11F447CE-7188-0078-0640-E0F2E7D20A79}"/>
+                <a16:creationId xmlns:a16="http://schemas.microsoft.com/office/drawing/2014/main" id="{9805FBFD-0114-2604-A720-3710AE0C87B4}"/>
               </a:ext>
             </a:extLst>
           </p:cNvPr>
@@ -658,7 +658,7 @@
           <a:bodyPr/>
           <a:lstStyle/>
           <a:p>
-            <a:fld id="{D01FC9C5-74B1-4D67-94FE-9BE6B081198C}" type="datetimeFigureOut">
+            <a:fld id="{7998A66E-EBC0-44E3-86D2-3DA647E29498}" type="datetimeFigureOut">
               <a:rPr lang="zh-CN" altLang="en-US" smtClean="0"/>
               <a:t>2024/3/10</a:t>
             </a:fld>
@@ -671,7 +671,7 @@
           <p:cNvPr id="5" name="页脚占位符 4">
             <a:extLst>
               <a:ext uri="{FF2B5EF4-FFF2-40B4-BE49-F238E27FC236}">
-                <a16:creationId xmlns:a16="http://schemas.microsoft.com/office/drawing/2014/main" id="{1B8E3C3D-4706-350F-8AF3-C3B2D982D71A}"/>
+                <a16:creationId xmlns:a16="http://schemas.microsoft.com/office/drawing/2014/main" id="{CAEBC23E-56A3-7CE2-EA7C-5E6F73A9B11D}"/>
               </a:ext>
             </a:extLst>
           </p:cNvPr>
@@ -696,7 +696,7 @@
           <p:cNvPr id="6" name="灯片编号占位符 5">
             <a:extLst>
               <a:ext uri="{FF2B5EF4-FFF2-40B4-BE49-F238E27FC236}">
-                <a16:creationId xmlns:a16="http://schemas.microsoft.com/office/drawing/2014/main" id="{9A41FB3D-1965-3538-7A52-61F886C1A8EB}"/>
+                <a16:creationId xmlns:a16="http://schemas.microsoft.com/office/drawing/2014/main" id="{AB48E816-C294-8168-6A03-14CF1F5B25F6}"/>
               </a:ext>
             </a:extLst>
           </p:cNvPr>
@@ -712,7 +712,7 @@
           <a:bodyPr/>
           <a:lstStyle/>
           <a:p>
-            <a:fld id="{CC196C6E-2B3F-459B-B809-376718DA1D29}" type="slidenum">
+            <a:fld id="{209D5BEF-033F-4A6A-A448-0872236E7AA0}" type="slidenum">
               <a:rPr lang="zh-CN" altLang="en-US" smtClean="0"/>
               <a:t>‹#›</a:t>
             </a:fld>
@@ -723,7 +723,7 @@
     </p:spTree>
     <p:extLst>
       <p:ext uri="{BB962C8B-B14F-4D97-AF65-F5344CB8AC3E}">
-        <p14:creationId xmlns:p14="http://schemas.microsoft.com/office/powerpoint/2010/main" val="2565032504"/>
+        <p14:creationId xmlns:p14="http://schemas.microsoft.com/office/powerpoint/2010/main" val="4284893292"/>
       </p:ext>
     </p:extLst>
   </p:cSld>
@@ -755,7 +755,7 @@
           <p:cNvPr id="2" name="标题 1">
             <a:extLst>
               <a:ext uri="{FF2B5EF4-FFF2-40B4-BE49-F238E27FC236}">
-                <a16:creationId xmlns:a16="http://schemas.microsoft.com/office/drawing/2014/main" id="{31410083-611D-909C-BE37-98A8BE6354BC}"/>
+                <a16:creationId xmlns:a16="http://schemas.microsoft.com/office/drawing/2014/main" id="{85B0EAD9-B475-EC27-6318-2BF523A506E6}"/>
               </a:ext>
             </a:extLst>
           </p:cNvPr>
@@ -783,7 +783,7 @@
           <p:cNvPr id="3" name="内容占位符 2">
             <a:extLst>
               <a:ext uri="{FF2B5EF4-FFF2-40B4-BE49-F238E27FC236}">
-                <a16:creationId xmlns:a16="http://schemas.microsoft.com/office/drawing/2014/main" id="{58E0F3E6-7ECC-5EC2-E60C-413A60888082}"/>
+                <a16:creationId xmlns:a16="http://schemas.microsoft.com/office/drawing/2014/main" id="{8F1FA6E6-6F67-E21F-EE88-3BC39B65591D}"/>
               </a:ext>
             </a:extLst>
           </p:cNvPr>
@@ -840,7 +840,7 @@
           <p:cNvPr id="4" name="日期占位符 3">
             <a:extLst>
               <a:ext uri="{FF2B5EF4-FFF2-40B4-BE49-F238E27FC236}">
-                <a16:creationId xmlns:a16="http://schemas.microsoft.com/office/drawing/2014/main" id="{DFD1E0EC-8B87-6B75-908C-A8B7F33CD139}"/>
+                <a16:creationId xmlns:a16="http://schemas.microsoft.com/office/drawing/2014/main" id="{755F2426-623F-E35D-95B2-07DBFFE81F10}"/>
               </a:ext>
             </a:extLst>
           </p:cNvPr>
@@ -856,7 +856,7 @@
           <a:bodyPr/>
           <a:lstStyle/>
           <a:p>
-            <a:fld id="{D01FC9C5-74B1-4D67-94FE-9BE6B081198C}" type="datetimeFigureOut">
+            <a:fld id="{7998A66E-EBC0-44E3-86D2-3DA647E29498}" type="datetimeFigureOut">
               <a:rPr lang="zh-CN" altLang="en-US" smtClean="0"/>
               <a:t>2024/3/10</a:t>
             </a:fld>
@@ -869,7 +869,7 @@
           <p:cNvPr id="5" name="页脚占位符 4">
             <a:extLst>
               <a:ext uri="{FF2B5EF4-FFF2-40B4-BE49-F238E27FC236}">
-                <a16:creationId xmlns:a16="http://schemas.microsoft.com/office/drawing/2014/main" id="{34BB0F4E-0337-BE32-6B77-0E6DDCA8F74C}"/>
+                <a16:creationId xmlns:a16="http://schemas.microsoft.com/office/drawing/2014/main" id="{4CC24BFA-526B-B263-5124-943893981372}"/>
               </a:ext>
             </a:extLst>
           </p:cNvPr>
@@ -894,7 +894,7 @@
           <p:cNvPr id="6" name="灯片编号占位符 5">
             <a:extLst>
               <a:ext uri="{FF2B5EF4-FFF2-40B4-BE49-F238E27FC236}">
-                <a16:creationId xmlns:a16="http://schemas.microsoft.com/office/drawing/2014/main" id="{64CE6B33-7725-971A-D0A6-7418205113A4}"/>
+                <a16:creationId xmlns:a16="http://schemas.microsoft.com/office/drawing/2014/main" id="{53DC8484-4D58-716C-E3DA-95449BB690FC}"/>
               </a:ext>
             </a:extLst>
           </p:cNvPr>
@@ -910,7 +910,7 @@
           <a:bodyPr/>
           <a:lstStyle/>
           <a:p>
-            <a:fld id="{CC196C6E-2B3F-459B-B809-376718DA1D29}" type="slidenum">
+            <a:fld id="{209D5BEF-033F-4A6A-A448-0872236E7AA0}" type="slidenum">
               <a:rPr lang="zh-CN" altLang="en-US" smtClean="0"/>
               <a:t>‹#›</a:t>
             </a:fld>
@@ -921,7 +921,7 @@
     </p:spTree>
     <p:extLst>
       <p:ext uri="{BB962C8B-B14F-4D97-AF65-F5344CB8AC3E}">
-        <p14:creationId xmlns:p14="http://schemas.microsoft.com/office/powerpoint/2010/main" val="1091996640"/>
+        <p14:creationId xmlns:p14="http://schemas.microsoft.com/office/powerpoint/2010/main" val="1219058169"/>
       </p:ext>
     </p:extLst>
   </p:cSld>
@@ -953,7 +953,7 @@
           <p:cNvPr id="2" name="标题 1">
             <a:extLst>
               <a:ext uri="{FF2B5EF4-FFF2-40B4-BE49-F238E27FC236}">
-                <a16:creationId xmlns:a16="http://schemas.microsoft.com/office/drawing/2014/main" id="{D04A4237-64C9-D8C1-E765-CD258EA26A20}"/>
+                <a16:creationId xmlns:a16="http://schemas.microsoft.com/office/drawing/2014/main" id="{2EF3F83D-3869-E68E-DF6E-6021A4BC9A1E}"/>
               </a:ext>
             </a:extLst>
           </p:cNvPr>
@@ -990,7 +990,7 @@
           <p:cNvPr id="3" name="文本占位符 2">
             <a:extLst>
               <a:ext uri="{FF2B5EF4-FFF2-40B4-BE49-F238E27FC236}">
-                <a16:creationId xmlns:a16="http://schemas.microsoft.com/office/drawing/2014/main" id="{58484244-B794-F9EA-00FB-5DDBC453933E}"/>
+                <a16:creationId xmlns:a16="http://schemas.microsoft.com/office/drawing/2014/main" id="{2097DDA3-4D23-1465-723C-E1998433536B}"/>
               </a:ext>
             </a:extLst>
           </p:cNvPr>
@@ -1115,7 +1115,7 @@
           <p:cNvPr id="4" name="日期占位符 3">
             <a:extLst>
               <a:ext uri="{FF2B5EF4-FFF2-40B4-BE49-F238E27FC236}">
-                <a16:creationId xmlns:a16="http://schemas.microsoft.com/office/drawing/2014/main" id="{A3146141-2715-9CB2-ECB2-4E7D2EDB4CE2}"/>
+                <a16:creationId xmlns:a16="http://schemas.microsoft.com/office/drawing/2014/main" id="{2982C8F9-7A34-1C95-3FD7-D46C9F2A8675}"/>
               </a:ext>
             </a:extLst>
           </p:cNvPr>
@@ -1131,7 +1131,7 @@
           <a:bodyPr/>
           <a:lstStyle/>
           <a:p>
-            <a:fld id="{D01FC9C5-74B1-4D67-94FE-9BE6B081198C}" type="datetimeFigureOut">
+            <a:fld id="{7998A66E-EBC0-44E3-86D2-3DA647E29498}" type="datetimeFigureOut">
               <a:rPr lang="zh-CN" altLang="en-US" smtClean="0"/>
               <a:t>2024/3/10</a:t>
             </a:fld>
@@ -1144,7 +1144,7 @@
           <p:cNvPr id="5" name="页脚占位符 4">
             <a:extLst>
               <a:ext uri="{FF2B5EF4-FFF2-40B4-BE49-F238E27FC236}">
-                <a16:creationId xmlns:a16="http://schemas.microsoft.com/office/drawing/2014/main" id="{8F50EFCA-1A7B-4899-66E2-2D7E6FDF647D}"/>
+                <a16:creationId xmlns:a16="http://schemas.microsoft.com/office/drawing/2014/main" id="{5D856F35-3DB9-2AC1-A6C3-C644EBE396E5}"/>
               </a:ext>
             </a:extLst>
           </p:cNvPr>
@@ -1169,7 +1169,7 @@
           <p:cNvPr id="6" name="灯片编号占位符 5">
             <a:extLst>
               <a:ext uri="{FF2B5EF4-FFF2-40B4-BE49-F238E27FC236}">
-                <a16:creationId xmlns:a16="http://schemas.microsoft.com/office/drawing/2014/main" id="{A0CD77FA-79D3-045A-3D6A-50D58B965C01}"/>
+                <a16:creationId xmlns:a16="http://schemas.microsoft.com/office/drawing/2014/main" id="{1D08084C-D574-D025-0F3D-26FADC148034}"/>
               </a:ext>
             </a:extLst>
           </p:cNvPr>
@@ -1185,7 +1185,7 @@
           <a:bodyPr/>
           <a:lstStyle/>
           <a:p>
-            <a:fld id="{CC196C6E-2B3F-459B-B809-376718DA1D29}" type="slidenum">
+            <a:fld id="{209D5BEF-033F-4A6A-A448-0872236E7AA0}" type="slidenum">
               <a:rPr lang="zh-CN" altLang="en-US" smtClean="0"/>
               <a:t>‹#›</a:t>
             </a:fld>
@@ -1196,7 +1196,7 @@
     </p:spTree>
     <p:extLst>
       <p:ext uri="{BB962C8B-B14F-4D97-AF65-F5344CB8AC3E}">
-        <p14:creationId xmlns:p14="http://schemas.microsoft.com/office/powerpoint/2010/main" val="959512209"/>
+        <p14:creationId xmlns:p14="http://schemas.microsoft.com/office/powerpoint/2010/main" val="942661169"/>
       </p:ext>
     </p:extLst>
   </p:cSld>
@@ -1228,7 +1228,7 @@
           <p:cNvPr id="2" name="标题 1">
             <a:extLst>
               <a:ext uri="{FF2B5EF4-FFF2-40B4-BE49-F238E27FC236}">
-                <a16:creationId xmlns:a16="http://schemas.microsoft.com/office/drawing/2014/main" id="{A4866BEA-8D7C-612B-9898-619B5E1C8268}"/>
+                <a16:creationId xmlns:a16="http://schemas.microsoft.com/office/drawing/2014/main" id="{840FAE84-5BE8-AD34-1AE3-C2A4FD58FA34}"/>
               </a:ext>
             </a:extLst>
           </p:cNvPr>
@@ -1256,7 +1256,7 @@
           <p:cNvPr id="3" name="内容占位符 2">
             <a:extLst>
               <a:ext uri="{FF2B5EF4-FFF2-40B4-BE49-F238E27FC236}">
-                <a16:creationId xmlns:a16="http://schemas.microsoft.com/office/drawing/2014/main" id="{F8CC5DDF-0883-2DB0-DE9E-31B2D5E4E6B6}"/>
+                <a16:creationId xmlns:a16="http://schemas.microsoft.com/office/drawing/2014/main" id="{F2C62D71-F009-A000-0CA7-43E4E90BE963}"/>
               </a:ext>
             </a:extLst>
           </p:cNvPr>
@@ -1318,7 +1318,7 @@
           <p:cNvPr id="4" name="内容占位符 3">
             <a:extLst>
               <a:ext uri="{FF2B5EF4-FFF2-40B4-BE49-F238E27FC236}">
-                <a16:creationId xmlns:a16="http://schemas.microsoft.com/office/drawing/2014/main" id="{B2CE7449-F548-087D-766F-E47DB9DAE3A3}"/>
+                <a16:creationId xmlns:a16="http://schemas.microsoft.com/office/drawing/2014/main" id="{058297B9-B7C9-E923-13A0-D40A3024F95B}"/>
               </a:ext>
             </a:extLst>
           </p:cNvPr>
@@ -1380,7 +1380,7 @@
           <p:cNvPr id="5" name="日期占位符 4">
             <a:extLst>
               <a:ext uri="{FF2B5EF4-FFF2-40B4-BE49-F238E27FC236}">
-                <a16:creationId xmlns:a16="http://schemas.microsoft.com/office/drawing/2014/main" id="{1204F09F-5896-65E9-939A-19BCEA9F8115}"/>
+                <a16:creationId xmlns:a16="http://schemas.microsoft.com/office/drawing/2014/main" id="{6D34C044-38BD-0777-FD15-726308A3AD9E}"/>
               </a:ext>
             </a:extLst>
           </p:cNvPr>
@@ -1396,7 +1396,7 @@
           <a:bodyPr/>
           <a:lstStyle/>
           <a:p>
-            <a:fld id="{D01FC9C5-74B1-4D67-94FE-9BE6B081198C}" type="datetimeFigureOut">
+            <a:fld id="{7998A66E-EBC0-44E3-86D2-3DA647E29498}" type="datetimeFigureOut">
               <a:rPr lang="zh-CN" altLang="en-US" smtClean="0"/>
               <a:t>2024/3/10</a:t>
             </a:fld>
@@ -1409,7 +1409,7 @@
           <p:cNvPr id="6" name="页脚占位符 5">
             <a:extLst>
               <a:ext uri="{FF2B5EF4-FFF2-40B4-BE49-F238E27FC236}">
-                <a16:creationId xmlns:a16="http://schemas.microsoft.com/office/drawing/2014/main" id="{06BD642F-2FD2-29C3-FF39-58FF905192C2}"/>
+                <a16:creationId xmlns:a16="http://schemas.microsoft.com/office/drawing/2014/main" id="{A1F2BE86-4501-A1A3-3E58-7C1ECFB1E144}"/>
               </a:ext>
             </a:extLst>
           </p:cNvPr>
@@ -1434,7 +1434,7 @@
           <p:cNvPr id="7" name="灯片编号占位符 6">
             <a:extLst>
               <a:ext uri="{FF2B5EF4-FFF2-40B4-BE49-F238E27FC236}">
-                <a16:creationId xmlns:a16="http://schemas.microsoft.com/office/drawing/2014/main" id="{6C59DAA4-919F-CD8F-5A0B-6874445DEAAF}"/>
+                <a16:creationId xmlns:a16="http://schemas.microsoft.com/office/drawing/2014/main" id="{6B95F306-8359-3E5E-0895-55F85604575B}"/>
               </a:ext>
             </a:extLst>
           </p:cNvPr>
@@ -1450,7 +1450,7 @@
           <a:bodyPr/>
           <a:lstStyle/>
           <a:p>
-            <a:fld id="{CC196C6E-2B3F-459B-B809-376718DA1D29}" type="slidenum">
+            <a:fld id="{209D5BEF-033F-4A6A-A448-0872236E7AA0}" type="slidenum">
               <a:rPr lang="zh-CN" altLang="en-US" smtClean="0"/>
               <a:t>‹#›</a:t>
             </a:fld>
@@ -1461,7 +1461,7 @@
     </p:spTree>
     <p:extLst>
       <p:ext uri="{BB962C8B-B14F-4D97-AF65-F5344CB8AC3E}">
-        <p14:creationId xmlns:p14="http://schemas.microsoft.com/office/powerpoint/2010/main" val="2608400634"/>
+        <p14:creationId xmlns:p14="http://schemas.microsoft.com/office/powerpoint/2010/main" val="418358650"/>
       </p:ext>
     </p:extLst>
   </p:cSld>
@@ -1493,7 +1493,7 @@
           <p:cNvPr id="2" name="标题 1">
             <a:extLst>
               <a:ext uri="{FF2B5EF4-FFF2-40B4-BE49-F238E27FC236}">
-                <a16:creationId xmlns:a16="http://schemas.microsoft.com/office/drawing/2014/main" id="{3C44577B-94A9-F63D-4774-66D491EE368B}"/>
+                <a16:creationId xmlns:a16="http://schemas.microsoft.com/office/drawing/2014/main" id="{EC40D6AF-CD68-2D5C-6E7C-33318D037B18}"/>
               </a:ext>
             </a:extLst>
           </p:cNvPr>
@@ -1526,7 +1526,7 @@
           <p:cNvPr id="3" name="文本占位符 2">
             <a:extLst>
               <a:ext uri="{FF2B5EF4-FFF2-40B4-BE49-F238E27FC236}">
-                <a16:creationId xmlns:a16="http://schemas.microsoft.com/office/drawing/2014/main" id="{9D5D3B89-70AD-964F-E2BE-7F275C0FAB4F}"/>
+                <a16:creationId xmlns:a16="http://schemas.microsoft.com/office/drawing/2014/main" id="{CE87006D-4115-29FD-9193-5C030CC91C75}"/>
               </a:ext>
             </a:extLst>
           </p:cNvPr>
@@ -1597,7 +1597,7 @@
           <p:cNvPr id="4" name="内容占位符 3">
             <a:extLst>
               <a:ext uri="{FF2B5EF4-FFF2-40B4-BE49-F238E27FC236}">
-                <a16:creationId xmlns:a16="http://schemas.microsoft.com/office/drawing/2014/main" id="{596B0E90-2E03-AE33-E38B-FC2CA5823110}"/>
+                <a16:creationId xmlns:a16="http://schemas.microsoft.com/office/drawing/2014/main" id="{6E140A49-681F-CFE6-2A72-30975B871BEF}"/>
               </a:ext>
             </a:extLst>
           </p:cNvPr>
@@ -1659,7 +1659,7 @@
           <p:cNvPr id="5" name="文本占位符 4">
             <a:extLst>
               <a:ext uri="{FF2B5EF4-FFF2-40B4-BE49-F238E27FC236}">
-                <a16:creationId xmlns:a16="http://schemas.microsoft.com/office/drawing/2014/main" id="{F9D6B3B8-AE50-4E7B-8E02-D18C6EFBD0F2}"/>
+                <a16:creationId xmlns:a16="http://schemas.microsoft.com/office/drawing/2014/main" id="{8A2621DB-D20C-6B3E-6D2F-2F1CF47791CB}"/>
               </a:ext>
             </a:extLst>
           </p:cNvPr>
@@ -1730,7 +1730,7 @@
           <p:cNvPr id="6" name="内容占位符 5">
             <a:extLst>
               <a:ext uri="{FF2B5EF4-FFF2-40B4-BE49-F238E27FC236}">
-                <a16:creationId xmlns:a16="http://schemas.microsoft.com/office/drawing/2014/main" id="{0CDE6D57-357E-9421-D9E6-7014EC75C59E}"/>
+                <a16:creationId xmlns:a16="http://schemas.microsoft.com/office/drawing/2014/main" id="{E8498BCF-0279-8D3A-4B5D-F206C92F1DEC}"/>
               </a:ext>
             </a:extLst>
           </p:cNvPr>
@@ -1792,7 +1792,7 @@
           <p:cNvPr id="7" name="日期占位符 6">
             <a:extLst>
               <a:ext uri="{FF2B5EF4-FFF2-40B4-BE49-F238E27FC236}">
-                <a16:creationId xmlns:a16="http://schemas.microsoft.com/office/drawing/2014/main" id="{882369CA-3567-8F11-BA3C-ACD3A94D23D3}"/>
+                <a16:creationId xmlns:a16="http://schemas.microsoft.com/office/drawing/2014/main" id="{E63D7D2E-B1DD-F3B4-6348-07F95AD4F98E}"/>
               </a:ext>
             </a:extLst>
           </p:cNvPr>
@@ -1808,7 +1808,7 @@
           <a:bodyPr/>
           <a:lstStyle/>
           <a:p>
-            <a:fld id="{D01FC9C5-74B1-4D67-94FE-9BE6B081198C}" type="datetimeFigureOut">
+            <a:fld id="{7998A66E-EBC0-44E3-86D2-3DA647E29498}" type="datetimeFigureOut">
               <a:rPr lang="zh-CN" altLang="en-US" smtClean="0"/>
               <a:t>2024/3/10</a:t>
             </a:fld>
@@ -1821,7 +1821,7 @@
           <p:cNvPr id="8" name="页脚占位符 7">
             <a:extLst>
               <a:ext uri="{FF2B5EF4-FFF2-40B4-BE49-F238E27FC236}">
-                <a16:creationId xmlns:a16="http://schemas.microsoft.com/office/drawing/2014/main" id="{B31F7ED0-B3E6-8D66-81C9-DB6AB3F79CFE}"/>
+                <a16:creationId xmlns:a16="http://schemas.microsoft.com/office/drawing/2014/main" id="{F5CD968E-9562-1EE9-1D08-4C936571AA36}"/>
               </a:ext>
             </a:extLst>
           </p:cNvPr>
@@ -1846,7 +1846,7 @@
           <p:cNvPr id="9" name="灯片编号占位符 8">
             <a:extLst>
               <a:ext uri="{FF2B5EF4-FFF2-40B4-BE49-F238E27FC236}">
-                <a16:creationId xmlns:a16="http://schemas.microsoft.com/office/drawing/2014/main" id="{B351087B-9AF0-A23B-8682-E64FAF8A4A33}"/>
+                <a16:creationId xmlns:a16="http://schemas.microsoft.com/office/drawing/2014/main" id="{74F58151-6E2C-35A8-1C21-291351169A59}"/>
               </a:ext>
             </a:extLst>
           </p:cNvPr>
@@ -1862,7 +1862,7 @@
           <a:bodyPr/>
           <a:lstStyle/>
           <a:p>
-            <a:fld id="{CC196C6E-2B3F-459B-B809-376718DA1D29}" type="slidenum">
+            <a:fld id="{209D5BEF-033F-4A6A-A448-0872236E7AA0}" type="slidenum">
               <a:rPr lang="zh-CN" altLang="en-US" smtClean="0"/>
               <a:t>‹#›</a:t>
             </a:fld>
@@ -1873,7 +1873,7 @@
     </p:spTree>
     <p:extLst>
       <p:ext uri="{BB962C8B-B14F-4D97-AF65-F5344CB8AC3E}">
-        <p14:creationId xmlns:p14="http://schemas.microsoft.com/office/powerpoint/2010/main" val="408679527"/>
+        <p14:creationId xmlns:p14="http://schemas.microsoft.com/office/powerpoint/2010/main" val="207640013"/>
       </p:ext>
     </p:extLst>
   </p:cSld>
@@ -1905,7 +1905,7 @@
           <p:cNvPr id="2" name="标题 1">
             <a:extLst>
               <a:ext uri="{FF2B5EF4-FFF2-40B4-BE49-F238E27FC236}">
-                <a16:creationId xmlns:a16="http://schemas.microsoft.com/office/drawing/2014/main" id="{1C0AAB24-A282-CE2A-C97F-AF863C9567EF}"/>
+                <a16:creationId xmlns:a16="http://schemas.microsoft.com/office/drawing/2014/main" id="{DD1FE1C4-4B98-8EFA-1F38-265DCC986750}"/>
               </a:ext>
             </a:extLst>
           </p:cNvPr>
@@ -1933,7 +1933,7 @@
           <p:cNvPr id="3" name="日期占位符 2">
             <a:extLst>
               <a:ext uri="{FF2B5EF4-FFF2-40B4-BE49-F238E27FC236}">
-                <a16:creationId xmlns:a16="http://schemas.microsoft.com/office/drawing/2014/main" id="{6BB6E50D-AA2B-F458-0D67-9AD4EF357C64}"/>
+                <a16:creationId xmlns:a16="http://schemas.microsoft.com/office/drawing/2014/main" id="{BBE3C380-EAFC-DAE1-D741-E46E05D9D027}"/>
               </a:ext>
             </a:extLst>
           </p:cNvPr>
@@ -1949,7 +1949,7 @@
           <a:bodyPr/>
           <a:lstStyle/>
           <a:p>
-            <a:fld id="{D01FC9C5-74B1-4D67-94FE-9BE6B081198C}" type="datetimeFigureOut">
+            <a:fld id="{7998A66E-EBC0-44E3-86D2-3DA647E29498}" type="datetimeFigureOut">
               <a:rPr lang="zh-CN" altLang="en-US" smtClean="0"/>
               <a:t>2024/3/10</a:t>
             </a:fld>
@@ -1962,7 +1962,7 @@
           <p:cNvPr id="4" name="页脚占位符 3">
             <a:extLst>
               <a:ext uri="{FF2B5EF4-FFF2-40B4-BE49-F238E27FC236}">
-                <a16:creationId xmlns:a16="http://schemas.microsoft.com/office/drawing/2014/main" id="{90A2DBF3-9B24-40F1-D69D-02682D00B924}"/>
+                <a16:creationId xmlns:a16="http://schemas.microsoft.com/office/drawing/2014/main" id="{719BB4D0-769B-2082-ED76-35D229E0AC1A}"/>
               </a:ext>
             </a:extLst>
           </p:cNvPr>
@@ -1987,7 +1987,7 @@
           <p:cNvPr id="5" name="灯片编号占位符 4">
             <a:extLst>
               <a:ext uri="{FF2B5EF4-FFF2-40B4-BE49-F238E27FC236}">
-                <a16:creationId xmlns:a16="http://schemas.microsoft.com/office/drawing/2014/main" id="{FCC75C46-E503-476E-0B21-700B045EFE9F}"/>
+                <a16:creationId xmlns:a16="http://schemas.microsoft.com/office/drawing/2014/main" id="{F177161A-D80A-4367-FFCF-73263726A63D}"/>
               </a:ext>
             </a:extLst>
           </p:cNvPr>
@@ -2003,7 +2003,7 @@
           <a:bodyPr/>
           <a:lstStyle/>
           <a:p>
-            <a:fld id="{CC196C6E-2B3F-459B-B809-376718DA1D29}" type="slidenum">
+            <a:fld id="{209D5BEF-033F-4A6A-A448-0872236E7AA0}" type="slidenum">
               <a:rPr lang="zh-CN" altLang="en-US" smtClean="0"/>
               <a:t>‹#›</a:t>
             </a:fld>
@@ -2014,7 +2014,7 @@
     </p:spTree>
     <p:extLst>
       <p:ext uri="{BB962C8B-B14F-4D97-AF65-F5344CB8AC3E}">
-        <p14:creationId xmlns:p14="http://schemas.microsoft.com/office/powerpoint/2010/main" val="837099238"/>
+        <p14:creationId xmlns:p14="http://schemas.microsoft.com/office/powerpoint/2010/main" val="1237137411"/>
       </p:ext>
     </p:extLst>
   </p:cSld>
@@ -2046,7 +2046,7 @@
           <p:cNvPr id="2" name="日期占位符 1">
             <a:extLst>
               <a:ext uri="{FF2B5EF4-FFF2-40B4-BE49-F238E27FC236}">
-                <a16:creationId xmlns:a16="http://schemas.microsoft.com/office/drawing/2014/main" id="{0C385948-91CF-51AD-E501-1475539DF43C}"/>
+                <a16:creationId xmlns:a16="http://schemas.microsoft.com/office/drawing/2014/main" id="{9C554993-3DFB-02E2-2C44-BB6E8A70EA39}"/>
               </a:ext>
             </a:extLst>
           </p:cNvPr>
@@ -2062,7 +2062,7 @@
           <a:bodyPr/>
           <a:lstStyle/>
           <a:p>
-            <a:fld id="{D01FC9C5-74B1-4D67-94FE-9BE6B081198C}" type="datetimeFigureOut">
+            <a:fld id="{7998A66E-EBC0-44E3-86D2-3DA647E29498}" type="datetimeFigureOut">
               <a:rPr lang="zh-CN" altLang="en-US" smtClean="0"/>
               <a:t>2024/3/10</a:t>
             </a:fld>
@@ -2075,7 +2075,7 @@
           <p:cNvPr id="3" name="页脚占位符 2">
             <a:extLst>
               <a:ext uri="{FF2B5EF4-FFF2-40B4-BE49-F238E27FC236}">
-                <a16:creationId xmlns:a16="http://schemas.microsoft.com/office/drawing/2014/main" id="{5357A91F-C203-BFB0-A790-02A12561CC6C}"/>
+                <a16:creationId xmlns:a16="http://schemas.microsoft.com/office/drawing/2014/main" id="{6CEE8DEC-1507-67E5-E169-BD8CACB9A9A7}"/>
               </a:ext>
             </a:extLst>
           </p:cNvPr>
@@ -2100,7 +2100,7 @@
           <p:cNvPr id="4" name="灯片编号占位符 3">
             <a:extLst>
               <a:ext uri="{FF2B5EF4-FFF2-40B4-BE49-F238E27FC236}">
-                <a16:creationId xmlns:a16="http://schemas.microsoft.com/office/drawing/2014/main" id="{A035AA09-43F4-11F5-4025-E59DA9D5590B}"/>
+                <a16:creationId xmlns:a16="http://schemas.microsoft.com/office/drawing/2014/main" id="{0D9EFADF-B011-89A2-37E8-229842B22EB6}"/>
               </a:ext>
             </a:extLst>
           </p:cNvPr>
@@ -2116,7 +2116,7 @@
           <a:bodyPr/>
           <a:lstStyle/>
           <a:p>
-            <a:fld id="{CC196C6E-2B3F-459B-B809-376718DA1D29}" type="slidenum">
+            <a:fld id="{209D5BEF-033F-4A6A-A448-0872236E7AA0}" type="slidenum">
               <a:rPr lang="zh-CN" altLang="en-US" smtClean="0"/>
               <a:t>‹#›</a:t>
             </a:fld>
@@ -2127,7 +2127,7 @@
     </p:spTree>
     <p:extLst>
       <p:ext uri="{BB962C8B-B14F-4D97-AF65-F5344CB8AC3E}">
-        <p14:creationId xmlns:p14="http://schemas.microsoft.com/office/powerpoint/2010/main" val="4245290962"/>
+        <p14:creationId xmlns:p14="http://schemas.microsoft.com/office/powerpoint/2010/main" val="3621162134"/>
       </p:ext>
     </p:extLst>
   </p:cSld>
@@ -2159,7 +2159,7 @@
           <p:cNvPr id="2" name="标题 1">
             <a:extLst>
               <a:ext uri="{FF2B5EF4-FFF2-40B4-BE49-F238E27FC236}">
-                <a16:creationId xmlns:a16="http://schemas.microsoft.com/office/drawing/2014/main" id="{B2F28460-7F39-6815-9C90-EBB9F1A2788C}"/>
+                <a16:creationId xmlns:a16="http://schemas.microsoft.com/office/drawing/2014/main" id="{2905CC61-5684-1FBF-EBC5-42D59A5679B1}"/>
               </a:ext>
             </a:extLst>
           </p:cNvPr>
@@ -2196,7 +2196,7 @@
           <p:cNvPr id="3" name="内容占位符 2">
             <a:extLst>
               <a:ext uri="{FF2B5EF4-FFF2-40B4-BE49-F238E27FC236}">
-                <a16:creationId xmlns:a16="http://schemas.microsoft.com/office/drawing/2014/main" id="{EE5F829B-E43E-BA83-F71C-B6555E26B650}"/>
+                <a16:creationId xmlns:a16="http://schemas.microsoft.com/office/drawing/2014/main" id="{59112A6A-2F60-C843-BC3F-A47C7C648296}"/>
               </a:ext>
             </a:extLst>
           </p:cNvPr>
@@ -2286,7 +2286,7 @@
           <p:cNvPr id="4" name="文本占位符 3">
             <a:extLst>
               <a:ext uri="{FF2B5EF4-FFF2-40B4-BE49-F238E27FC236}">
-                <a16:creationId xmlns:a16="http://schemas.microsoft.com/office/drawing/2014/main" id="{A368C611-9222-68E5-D5F6-4B723D745D3D}"/>
+                <a16:creationId xmlns:a16="http://schemas.microsoft.com/office/drawing/2014/main" id="{6D9CA45F-585B-A706-E86C-94A6DEEB05AF}"/>
               </a:ext>
             </a:extLst>
           </p:cNvPr>
@@ -2357,7 +2357,7 @@
           <p:cNvPr id="5" name="日期占位符 4">
             <a:extLst>
               <a:ext uri="{FF2B5EF4-FFF2-40B4-BE49-F238E27FC236}">
-                <a16:creationId xmlns:a16="http://schemas.microsoft.com/office/drawing/2014/main" id="{54E995E8-767D-2251-A15E-6717B7FBAF5D}"/>
+                <a16:creationId xmlns:a16="http://schemas.microsoft.com/office/drawing/2014/main" id="{3D2FBED0-AA80-70C0-2D91-6DC30AE83AED}"/>
               </a:ext>
             </a:extLst>
           </p:cNvPr>
@@ -2373,7 +2373,7 @@
           <a:bodyPr/>
           <a:lstStyle/>
           <a:p>
-            <a:fld id="{D01FC9C5-74B1-4D67-94FE-9BE6B081198C}" type="datetimeFigureOut">
+            <a:fld id="{7998A66E-EBC0-44E3-86D2-3DA647E29498}" type="datetimeFigureOut">
               <a:rPr lang="zh-CN" altLang="en-US" smtClean="0"/>
               <a:t>2024/3/10</a:t>
             </a:fld>
@@ -2386,7 +2386,7 @@
           <p:cNvPr id="6" name="页脚占位符 5">
             <a:extLst>
               <a:ext uri="{FF2B5EF4-FFF2-40B4-BE49-F238E27FC236}">
-                <a16:creationId xmlns:a16="http://schemas.microsoft.com/office/drawing/2014/main" id="{B891E593-0291-C9D5-14EB-8D8ABC88FAB2}"/>
+                <a16:creationId xmlns:a16="http://schemas.microsoft.com/office/drawing/2014/main" id="{A0E213C3-5A0D-A6F8-22B1-53640ADB7CD1}"/>
               </a:ext>
             </a:extLst>
           </p:cNvPr>
@@ -2411,7 +2411,7 @@
           <p:cNvPr id="7" name="灯片编号占位符 6">
             <a:extLst>
               <a:ext uri="{FF2B5EF4-FFF2-40B4-BE49-F238E27FC236}">
-                <a16:creationId xmlns:a16="http://schemas.microsoft.com/office/drawing/2014/main" id="{B47E00DD-7A54-7B47-4FDA-03C361228BAB}"/>
+                <a16:creationId xmlns:a16="http://schemas.microsoft.com/office/drawing/2014/main" id="{2ADC4969-1EE9-C021-67D2-C89BB6E0550C}"/>
               </a:ext>
             </a:extLst>
           </p:cNvPr>
@@ -2427,7 +2427,7 @@
           <a:bodyPr/>
           <a:lstStyle/>
           <a:p>
-            <a:fld id="{CC196C6E-2B3F-459B-B809-376718DA1D29}" type="slidenum">
+            <a:fld id="{209D5BEF-033F-4A6A-A448-0872236E7AA0}" type="slidenum">
               <a:rPr lang="zh-CN" altLang="en-US" smtClean="0"/>
               <a:t>‹#›</a:t>
             </a:fld>
@@ -2438,7 +2438,7 @@
     </p:spTree>
     <p:extLst>
       <p:ext uri="{BB962C8B-B14F-4D97-AF65-F5344CB8AC3E}">
-        <p14:creationId xmlns:p14="http://schemas.microsoft.com/office/powerpoint/2010/main" val="4203936765"/>
+        <p14:creationId xmlns:p14="http://schemas.microsoft.com/office/powerpoint/2010/main" val="1076824363"/>
       </p:ext>
     </p:extLst>
   </p:cSld>
@@ -2470,7 +2470,7 @@
           <p:cNvPr id="2" name="标题 1">
             <a:extLst>
               <a:ext uri="{FF2B5EF4-FFF2-40B4-BE49-F238E27FC236}">
-                <a16:creationId xmlns:a16="http://schemas.microsoft.com/office/drawing/2014/main" id="{86E79C54-6717-BCD2-143E-76661B83B453}"/>
+                <a16:creationId xmlns:a16="http://schemas.microsoft.com/office/drawing/2014/main" id="{06185C9E-6CB9-20CE-EE84-52955E6122FF}"/>
               </a:ext>
             </a:extLst>
           </p:cNvPr>
@@ -2507,7 +2507,7 @@
           <p:cNvPr id="3" name="图片占位符 2">
             <a:extLst>
               <a:ext uri="{FF2B5EF4-FFF2-40B4-BE49-F238E27FC236}">
-                <a16:creationId xmlns:a16="http://schemas.microsoft.com/office/drawing/2014/main" id="{58831050-A7E9-BBF4-7B76-DFEE96A05B8B}"/>
+                <a16:creationId xmlns:a16="http://schemas.microsoft.com/office/drawing/2014/main" id="{658E54EB-088D-BEF5-3359-2A33839E1A98}"/>
               </a:ext>
             </a:extLst>
           </p:cNvPr>
@@ -2574,7 +2574,7 @@
           <p:cNvPr id="4" name="文本占位符 3">
             <a:extLst>
               <a:ext uri="{FF2B5EF4-FFF2-40B4-BE49-F238E27FC236}">
-                <a16:creationId xmlns:a16="http://schemas.microsoft.com/office/drawing/2014/main" id="{6A7FF0AD-A14C-C32E-960D-A60A18342086}"/>
+                <a16:creationId xmlns:a16="http://schemas.microsoft.com/office/drawing/2014/main" id="{E4411928-2C6A-94B8-F5C9-F9F4D50B43C3}"/>
               </a:ext>
             </a:extLst>
           </p:cNvPr>
@@ -2645,7 +2645,7 @@
           <p:cNvPr id="5" name="日期占位符 4">
             <a:extLst>
               <a:ext uri="{FF2B5EF4-FFF2-40B4-BE49-F238E27FC236}">
-                <a16:creationId xmlns:a16="http://schemas.microsoft.com/office/drawing/2014/main" id="{14E9B66F-262A-D85C-0CE0-396F295623C5}"/>
+                <a16:creationId xmlns:a16="http://schemas.microsoft.com/office/drawing/2014/main" id="{281046EB-5395-A3A6-F94A-88DD58AE2B0F}"/>
               </a:ext>
             </a:extLst>
           </p:cNvPr>
@@ -2661,7 +2661,7 @@
           <a:bodyPr/>
           <a:lstStyle/>
           <a:p>
-            <a:fld id="{D01FC9C5-74B1-4D67-94FE-9BE6B081198C}" type="datetimeFigureOut">
+            <a:fld id="{7998A66E-EBC0-44E3-86D2-3DA647E29498}" type="datetimeFigureOut">
               <a:rPr lang="zh-CN" altLang="en-US" smtClean="0"/>
               <a:t>2024/3/10</a:t>
             </a:fld>
@@ -2674,7 +2674,7 @@
           <p:cNvPr id="6" name="页脚占位符 5">
             <a:extLst>
               <a:ext uri="{FF2B5EF4-FFF2-40B4-BE49-F238E27FC236}">
-                <a16:creationId xmlns:a16="http://schemas.microsoft.com/office/drawing/2014/main" id="{0F5D8CC3-3449-9F96-7790-4E06541B1B4E}"/>
+                <a16:creationId xmlns:a16="http://schemas.microsoft.com/office/drawing/2014/main" id="{D415527B-DF72-801B-AFB7-6E27DF6F5496}"/>
               </a:ext>
             </a:extLst>
           </p:cNvPr>
@@ -2699,7 +2699,7 @@
           <p:cNvPr id="7" name="灯片编号占位符 6">
             <a:extLst>
               <a:ext uri="{FF2B5EF4-FFF2-40B4-BE49-F238E27FC236}">
-                <a16:creationId xmlns:a16="http://schemas.microsoft.com/office/drawing/2014/main" id="{CB0E1117-1378-4FDC-7031-6DAFC3EA9FAD}"/>
+                <a16:creationId xmlns:a16="http://schemas.microsoft.com/office/drawing/2014/main" id="{F2FDBB0F-0E71-F74F-4B8F-0D0B3F4AC6FC}"/>
               </a:ext>
             </a:extLst>
           </p:cNvPr>
@@ -2715,7 +2715,7 @@
           <a:bodyPr/>
           <a:lstStyle/>
           <a:p>
-            <a:fld id="{CC196C6E-2B3F-459B-B809-376718DA1D29}" type="slidenum">
+            <a:fld id="{209D5BEF-033F-4A6A-A448-0872236E7AA0}" type="slidenum">
               <a:rPr lang="zh-CN" altLang="en-US" smtClean="0"/>
               <a:t>‹#›</a:t>
             </a:fld>
@@ -2726,7 +2726,7 @@
     </p:spTree>
     <p:extLst>
       <p:ext uri="{BB962C8B-B14F-4D97-AF65-F5344CB8AC3E}">
-        <p14:creationId xmlns:p14="http://schemas.microsoft.com/office/powerpoint/2010/main" val="710953151"/>
+        <p14:creationId xmlns:p14="http://schemas.microsoft.com/office/powerpoint/2010/main" val="328257692"/>
       </p:ext>
     </p:extLst>
   </p:cSld>
@@ -2763,7 +2763,7 @@
           <p:cNvPr id="2" name="标题占位符 1">
             <a:extLst>
               <a:ext uri="{FF2B5EF4-FFF2-40B4-BE49-F238E27FC236}">
-                <a16:creationId xmlns:a16="http://schemas.microsoft.com/office/drawing/2014/main" id="{4A175320-63CF-6EDD-BFFF-802846EC98A2}"/>
+                <a16:creationId xmlns:a16="http://schemas.microsoft.com/office/drawing/2014/main" id="{E0332F3F-C1B5-498C-F81A-E8943E38E78B}"/>
               </a:ext>
             </a:extLst>
           </p:cNvPr>
@@ -2801,7 +2801,7 @@
           <p:cNvPr id="3" name="文本占位符 2">
             <a:extLst>
               <a:ext uri="{FF2B5EF4-FFF2-40B4-BE49-F238E27FC236}">
-                <a16:creationId xmlns:a16="http://schemas.microsoft.com/office/drawing/2014/main" id="{2ECBD81D-EDC1-B047-227C-CD4542432D12}"/>
+                <a16:creationId xmlns:a16="http://schemas.microsoft.com/office/drawing/2014/main" id="{7CDFAF4F-708A-BECA-C743-E82F2F2FA307}"/>
               </a:ext>
             </a:extLst>
           </p:cNvPr>
@@ -2868,7 +2868,7 @@
           <p:cNvPr id="4" name="日期占位符 3">
             <a:extLst>
               <a:ext uri="{FF2B5EF4-FFF2-40B4-BE49-F238E27FC236}">
-                <a16:creationId xmlns:a16="http://schemas.microsoft.com/office/drawing/2014/main" id="{6B9134C7-4753-8468-2EFC-E9724D4A449E}"/>
+                <a16:creationId xmlns:a16="http://schemas.microsoft.com/office/drawing/2014/main" id="{6D932ECB-8C55-78B8-667B-D22255470897}"/>
               </a:ext>
             </a:extLst>
           </p:cNvPr>
@@ -2902,7 +2902,7 @@
             </a:lvl1pPr>
           </a:lstStyle>
           <a:p>
-            <a:fld id="{D01FC9C5-74B1-4D67-94FE-9BE6B081198C}" type="datetimeFigureOut">
+            <a:fld id="{7998A66E-EBC0-44E3-86D2-3DA647E29498}" type="datetimeFigureOut">
               <a:rPr lang="zh-CN" altLang="en-US" smtClean="0"/>
               <a:t>2024/3/10</a:t>
             </a:fld>
@@ -2915,7 +2915,7 @@
           <p:cNvPr id="5" name="页脚占位符 4">
             <a:extLst>
               <a:ext uri="{FF2B5EF4-FFF2-40B4-BE49-F238E27FC236}">
-                <a16:creationId xmlns:a16="http://schemas.microsoft.com/office/drawing/2014/main" id="{0B1945CB-5D90-B878-367A-7B0948DDDC7F}"/>
+                <a16:creationId xmlns:a16="http://schemas.microsoft.com/office/drawing/2014/main" id="{A736511D-D4BA-48C3-33D0-5532FEF173AD}"/>
               </a:ext>
             </a:extLst>
           </p:cNvPr>
@@ -2958,7 +2958,7 @@
           <p:cNvPr id="6" name="灯片编号占位符 5">
             <a:extLst>
               <a:ext uri="{FF2B5EF4-FFF2-40B4-BE49-F238E27FC236}">
-                <a16:creationId xmlns:a16="http://schemas.microsoft.com/office/drawing/2014/main" id="{C5E6E650-55DF-C134-CCC1-6826C49552E1}"/>
+                <a16:creationId xmlns:a16="http://schemas.microsoft.com/office/drawing/2014/main" id="{D0A6866F-A8F4-E97F-4F56-A9226E2FFFE6}"/>
               </a:ext>
             </a:extLst>
           </p:cNvPr>
@@ -2992,7 +2992,7 @@
             </a:lvl1pPr>
           </a:lstStyle>
           <a:p>
-            <a:fld id="{CC196C6E-2B3F-459B-B809-376718DA1D29}" type="slidenum">
+            <a:fld id="{209D5BEF-033F-4A6A-A448-0872236E7AA0}" type="slidenum">
               <a:rPr lang="zh-CN" altLang="en-US" smtClean="0"/>
               <a:t>‹#›</a:t>
             </a:fld>
@@ -3003,7 +3003,7 @@
     </p:spTree>
     <p:extLst>
       <p:ext uri="{BB962C8B-B14F-4D97-AF65-F5344CB8AC3E}">
-        <p14:creationId xmlns:p14="http://schemas.microsoft.com/office/powerpoint/2010/main" val="2557374375"/>
+        <p14:creationId xmlns:p14="http://schemas.microsoft.com/office/powerpoint/2010/main" val="1716947686"/>
       </p:ext>
     </p:extLst>
   </p:cSld>
